--- a/protype2/training.pptx
+++ b/protype2/training.pptx
@@ -4229,7 +4229,12 @@
             <p:ph type="title"/>
           </p:nvPr>
         </p:nvSpPr>
-        <p:spPr/>
+        <p:spPr>
+          <a:xfrm>
+            <a:off x="838200" y="365125"/>
+            <a:ext cx="10515600" cy="779463"/>
+          </a:xfrm>
+        </p:spPr>
         <p:txBody>
           <a:bodyPr/>
           <a:lstStyle/>
@@ -4257,7 +4262,12 @@
             <p:ph idx="1"/>
           </p:nvPr>
         </p:nvSpPr>
-        <p:spPr/>
+        <p:spPr>
+          <a:xfrm>
+            <a:off x="838200" y="1144588"/>
+            <a:ext cx="10515600" cy="5032375"/>
+          </a:xfrm>
+        </p:spPr>
         <p:txBody>
           <a:bodyPr/>
           <a:lstStyle/>
@@ -4298,7 +4308,7 @@
         </p:blipFill>
         <p:spPr>
           <a:xfrm>
-            <a:off x="3334095" y="3048476"/>
+            <a:off x="3334095" y="2496026"/>
             <a:ext cx="5523809" cy="3809524"/>
           </a:xfrm>
           <a:prstGeom prst="rect">
